--- a/שירות משלוחים שיתופי.pptx
+++ b/שירות משלוחים שיתופי.pptx
@@ -7,6 +7,7 @@
   <p:sldIdLst>
     <p:sldId id="256" r:id="rId2"/>
     <p:sldId id="257" r:id="rId3"/>
+    <p:sldId id="258" r:id="rId4"/>
   </p:sldIdLst>
   <p:sldSz cx="12192000" cy="6858000"/>
   <p:notesSz cx="6858000" cy="9144000"/>
@@ -105,6 +106,11 @@
       </a:defRPr>
     </a:lvl9pPr>
   </p:defaultTextStyle>
+  <p:extLst>
+    <p:ext uri="{EFAFB233-063F-42B5-8137-9DF3F51BA10A}">
+      <p15:sldGuideLst xmlns:p15="http://schemas.microsoft.com/office/powerpoint/2012/main"/>
+    </p:ext>
+  </p:extLst>
 </p:presentation>
 </file>
 
@@ -3449,8 +3455,8 @@
         </p:nvSpPr>
         <p:spPr>
           <a:xfrm>
-            <a:off x="971203" y="606830"/>
-            <a:ext cx="10249593" cy="6740307"/>
+            <a:off x="1070955" y="540328"/>
+            <a:ext cx="10249593" cy="11141512"/>
           </a:xfrm>
           <a:prstGeom prst="rect">
             <a:avLst/>
@@ -3464,12 +3470,281 @@
           <a:lstStyle/>
           <a:p>
             <a:r>
+              <a:rPr lang="he-IL" sz="4000" dirty="0">
+                <a:solidFill>
+                  <a:schemeClr val="accent2"/>
+                </a:solidFill>
+              </a:rPr>
+              <a:t>למה בחרתי דווקא בפרויקט זה?</a:t>
+            </a:r>
+          </a:p>
+          <a:p>
+            <a:r>
+              <a:rPr lang="he-IL" sz="2400" dirty="0"/>
+              <a:t>בגלל החסר.</a:t>
+            </a:r>
+          </a:p>
+          <a:p>
+            <a:r>
+              <a:rPr lang="he-IL" sz="2400" dirty="0"/>
+              <a:t>בדקתי המון אם יש איזה אפליקציה או שרות כלשהו שנותן מענה לשירות המשלוחים בצורה יעילה וטובה, ולא מצאתי מה שאומר שהיום אם אדם רוצה לשלוח משלוח ממקום כלשהו למקום כלשהו אין לו איך לעשות את זה .</a:t>
+            </a:r>
+          </a:p>
+          <a:p>
+            <a:r>
+              <a:rPr lang="he-IL" sz="2400" dirty="0">
+                <a:solidFill>
+                  <a:schemeClr val="accent2"/>
+                </a:solidFill>
+              </a:rPr>
+              <a:t>מה האפליקציה עושה?</a:t>
+            </a:r>
+          </a:p>
+          <a:p>
+            <a:r>
+              <a:rPr lang="he-IL" sz="2400" dirty="0"/>
+              <a:t>האפליקציה נותנת מענה לשתי סוגי משתמשים, למשלוחן וללקוח</a:t>
+            </a:r>
+          </a:p>
+          <a:p>
+            <a:r>
+              <a:rPr lang="he-IL" sz="2400" dirty="0">
+                <a:solidFill>
+                  <a:schemeClr val="accent2"/>
+                </a:solidFill>
+              </a:rPr>
+              <a:t>משלוחן:</a:t>
+            </a:r>
+          </a:p>
+          <a:p>
+            <a:r>
+              <a:rPr lang="he-IL" sz="2400" dirty="0"/>
+              <a:t>משלוחן מכניס נסיעה שהולך לעשות והמערכת מחפשת לו לקוח (בקשה) מתאימה</a:t>
+            </a:r>
+          </a:p>
+          <a:p>
+            <a:r>
+              <a:rPr lang="he-IL" sz="2400" dirty="0">
+                <a:solidFill>
+                  <a:schemeClr val="accent2"/>
+                </a:solidFill>
+              </a:rPr>
+              <a:t>לקוח:</a:t>
+            </a:r>
+          </a:p>
+          <a:p>
+            <a:r>
+              <a:rPr lang="he-IL" sz="2400" dirty="0"/>
+              <a:t>הלקוח יכניס פרטי בקשה על משלוח שרוצה שיעשו לו, והמערכת תחפש לו משלוחן מתאים</a:t>
+            </a:r>
+          </a:p>
+          <a:p>
+            <a:r>
+              <a:rPr lang="he-IL" sz="2400" dirty="0"/>
+              <a:t>אפשריות נוספות שיש למשלוחן- לצפות בהיסטורית המשלוחים שלו, ולצפות בנתוני הרייטינג אותו צבר במשך הזמן.</a:t>
+            </a:r>
+          </a:p>
+          <a:p>
+            <a:r>
+              <a:rPr lang="he-IL" sz="2400" dirty="0"/>
+              <a:t>כמו כן תעמוד בפני הלקוח אפשרות של תגובה על משלוח.</a:t>
+            </a:r>
+          </a:p>
+          <a:p>
+            <a:endParaRPr lang="he-IL" sz="2400" dirty="0"/>
+          </a:p>
+          <a:p>
+            <a:endParaRPr lang="he-IL" sz="2400" dirty="0"/>
+          </a:p>
+          <a:p>
+            <a:endParaRPr lang="he-IL" sz="2400" dirty="0"/>
+          </a:p>
+          <a:p>
+            <a:endParaRPr lang="he-IL" dirty="0">
+              <a:solidFill>
+                <a:schemeClr val="accent2"/>
+              </a:solidFill>
+            </a:endParaRPr>
+          </a:p>
+          <a:p>
+            <a:endParaRPr lang="he-IL" dirty="0">
+              <a:solidFill>
+                <a:schemeClr val="accent2"/>
+              </a:solidFill>
+            </a:endParaRPr>
+          </a:p>
+          <a:p>
+            <a:endParaRPr lang="he-IL" dirty="0">
+              <a:solidFill>
+                <a:schemeClr val="accent2"/>
+              </a:solidFill>
+            </a:endParaRPr>
+          </a:p>
+          <a:p>
+            <a:endParaRPr lang="he-IL" dirty="0">
+              <a:solidFill>
+                <a:schemeClr val="accent2"/>
+              </a:solidFill>
+            </a:endParaRPr>
+          </a:p>
+          <a:p>
+            <a:endParaRPr lang="he-IL" dirty="0">
+              <a:solidFill>
+                <a:schemeClr val="accent2"/>
+              </a:solidFill>
+            </a:endParaRPr>
+          </a:p>
+          <a:p>
+            <a:endParaRPr lang="he-IL" dirty="0">
+              <a:solidFill>
+                <a:schemeClr val="accent2"/>
+              </a:solidFill>
+            </a:endParaRPr>
+          </a:p>
+          <a:p>
+            <a:endParaRPr lang="he-IL" dirty="0">
+              <a:solidFill>
+                <a:schemeClr val="accent2"/>
+              </a:solidFill>
+            </a:endParaRPr>
+          </a:p>
+          <a:p>
+            <a:endParaRPr lang="he-IL" dirty="0">
+              <a:solidFill>
+                <a:schemeClr val="accent2"/>
+              </a:solidFill>
+            </a:endParaRPr>
+          </a:p>
+          <a:p>
+            <a:endParaRPr lang="he-IL" dirty="0">
+              <a:solidFill>
+                <a:schemeClr val="accent2"/>
+              </a:solidFill>
+            </a:endParaRPr>
+          </a:p>
+          <a:p>
+            <a:endParaRPr lang="he-IL" dirty="0">
+              <a:solidFill>
+                <a:schemeClr val="accent2"/>
+              </a:solidFill>
+            </a:endParaRPr>
+          </a:p>
+          <a:p>
+            <a:endParaRPr lang="he-IL" dirty="0">
+              <a:solidFill>
+                <a:schemeClr val="accent2"/>
+              </a:solidFill>
+            </a:endParaRPr>
+          </a:p>
+          <a:p>
+            <a:endParaRPr lang="he-IL" dirty="0">
+              <a:solidFill>
+                <a:schemeClr val="accent2"/>
+              </a:solidFill>
+            </a:endParaRPr>
+          </a:p>
+          <a:p>
+            <a:endParaRPr lang="he-IL" dirty="0">
+              <a:solidFill>
+                <a:schemeClr val="accent2"/>
+              </a:solidFill>
+            </a:endParaRPr>
+          </a:p>
+          <a:p>
+            <a:endParaRPr lang="he-IL" dirty="0">
+              <a:solidFill>
+                <a:schemeClr val="accent2"/>
+              </a:solidFill>
+            </a:endParaRPr>
+          </a:p>
+          <a:p>
+            <a:endParaRPr lang="he-IL" dirty="0">
+              <a:solidFill>
+                <a:schemeClr val="accent2"/>
+              </a:solidFill>
+            </a:endParaRPr>
+          </a:p>
+        </p:txBody>
+      </p:sp>
+    </p:spTree>
+    <p:extLst>
+      <p:ext uri="{BB962C8B-B14F-4D97-AF65-F5344CB8AC3E}">
+        <p14:creationId xmlns:p14="http://schemas.microsoft.com/office/powerpoint/2010/main" val="4040935919"/>
+      </p:ext>
+    </p:extLst>
+  </p:cSld>
+  <p:clrMapOvr>
+    <a:masterClrMapping/>
+  </p:clrMapOvr>
+</p:sld>
+</file>
+
+<file path=ppt/slides/slide3.xml><?xml version="1.0" encoding="utf-8"?>
+<p:sld xmlns:a="http://schemas.openxmlformats.org/drawingml/2006/main" xmlns:r="http://schemas.openxmlformats.org/officeDocument/2006/relationships" xmlns:p="http://schemas.openxmlformats.org/presentationml/2006/main">
+  <p:cSld>
+    <p:spTree>
+      <p:nvGrpSpPr>
+        <p:cNvPr id="1" name=""/>
+        <p:cNvGrpSpPr/>
+        <p:nvPr/>
+      </p:nvGrpSpPr>
+      <p:grpSpPr>
+        <a:xfrm>
+          <a:off x="0" y="0"/>
+          <a:ext cx="0" cy="0"/>
+          <a:chOff x="0" y="0"/>
+          <a:chExt cx="0" cy="0"/>
+        </a:xfrm>
+      </p:grpSpPr>
+      <p:sp>
+        <p:nvSpPr>
+          <p:cNvPr id="2" name="תיבת טקסט 1">
+            <a:extLst>
+              <a:ext uri="{FF2B5EF4-FFF2-40B4-BE49-F238E27FC236}">
+                <a16:creationId xmlns:a16="http://schemas.microsoft.com/office/drawing/2014/main" id="{52897A38-78F4-4BFC-928A-47E3F1F88454}"/>
+              </a:ext>
+            </a:extLst>
+          </p:cNvPr>
+          <p:cNvSpPr txBox="1"/>
+          <p:nvPr/>
+        </p:nvSpPr>
+        <p:spPr>
+          <a:xfrm>
+            <a:off x="1812175" y="980902"/>
+            <a:ext cx="8670174" cy="4247317"/>
+          </a:xfrm>
+          <a:prstGeom prst="rect">
+            <a:avLst/>
+          </a:prstGeom>
+          <a:noFill/>
+        </p:spPr>
+        <p:txBody>
+          <a:bodyPr wrap="square" rtlCol="1">
+            <a:spAutoFit/>
+          </a:bodyPr>
+          <a:lstStyle/>
+          <a:p>
+            <a:r>
               <a:rPr lang="he-IL" dirty="0">
                 <a:solidFill>
                   <a:schemeClr val="accent2"/>
                 </a:solidFill>
               </a:rPr>
-              <a:t>למה בחרתי דווקא בפרויקט זה?</a:t>
+              <a:t>כניסה למערכת:</a:t>
+            </a:r>
+          </a:p>
+          <a:p>
+            <a:r>
+              <a:rPr lang="he-IL" dirty="0"/>
+              <a:t>כדי שמשתמש יוכל </a:t>
+            </a:r>
+            <a:r>
+              <a:rPr lang="he-IL" dirty="0" err="1"/>
+              <a:t>להכנס</a:t>
+            </a:r>
+            <a:r>
+              <a:rPr lang="he-IL" dirty="0"/>
+              <a:t> לפרופיל משלוחן או לקוח הוא חייב להיות מחובר .</a:t>
             </a:r>
           </a:p>
           <a:p>
@@ -3479,7 +3754,7 @@
                   <a:schemeClr val="accent2"/>
                 </a:solidFill>
               </a:rPr>
-              <a:t>בגלל החסר.</a:t>
+              <a:t>משתמש חדש:</a:t>
             </a:r>
           </a:p>
           <a:p>
@@ -3489,7 +3764,7 @@
                   <a:schemeClr val="accent2"/>
                 </a:solidFill>
               </a:rPr>
-              <a:t>בדקתי המון אם יש איזה אפליקציה או שרות כלשהו שנותן מענה לשירות המשלוחים בצורה יעילה וטובה, ולא מצאתי מה שאומר שהיום אם אדם רוצה לשלוח משלוח ממקום כלשהו למקום כלשהו אין לו איך לעשות את זה </a:t>
+              <a:t>משתמש ישן:</a:t>
             </a:r>
           </a:p>
           <a:p>
@@ -3499,7 +3774,7 @@
                   <a:schemeClr val="accent2"/>
                 </a:solidFill>
               </a:rPr>
-              <a:t>מה האפליקציה עושה?</a:t>
+              <a:t>לאחר ההתחברות האפליקציה תוביל את המשתמש לדף הבית, שם הוא יכול להיכנס כמשלוחן או כלקוח.</a:t>
             </a:r>
           </a:p>
           <a:p>
@@ -3509,15 +3784,97 @@
                   <a:schemeClr val="accent2"/>
                 </a:solidFill>
               </a:rPr>
-              <a:t>האפליקציה נותנת מענה לבעיה </a:t>
-            </a:r>
-            <a:r>
-              <a:rPr lang="he-IL">
+              <a:t>נניח ונכנסתי כמשלוחן</a:t>
+            </a:r>
+          </a:p>
+          <a:p>
+            <a:r>
+              <a:rPr lang="he-IL" dirty="0">
                 <a:solidFill>
                   <a:schemeClr val="accent2"/>
                 </a:solidFill>
               </a:rPr>
-              <a:t>בזה שהיא  </a:t>
+              <a:t>*אני יוכל לצפות בהיסטורית משלוחים</a:t>
+            </a:r>
+          </a:p>
+          <a:p>
+            <a:r>
+              <a:rPr lang="he-IL" dirty="0">
+                <a:solidFill>
+                  <a:schemeClr val="accent2"/>
+                </a:solidFill>
+              </a:rPr>
+              <a:t>ברגע שאלחץ אל אפשרות זו המערכת תשלח בקשה לשרת שיפעיל את פונקציית היסטורית המשלוחים.</a:t>
+            </a:r>
+          </a:p>
+          <a:p>
+            <a:r>
+              <a:rPr lang="he-IL" dirty="0">
+                <a:solidFill>
+                  <a:schemeClr val="accent2"/>
+                </a:solidFill>
+              </a:rPr>
+              <a:t>איך הפונקציה פועלת ? הפונקציה מקבלת אובייקט מסוג משתמש(המערכת יודעת מי המשתמש המחובר)עוברת על טבלת המשלוחים ושולפת את כל המשלוחים של אותו משתמש שהיא קיבלה </a:t>
+            </a:r>
+          </a:p>
+          <a:p>
+            <a:r>
+              <a:rPr lang="he-IL" dirty="0">
+                <a:solidFill>
+                  <a:schemeClr val="accent2"/>
+                </a:solidFill>
+              </a:rPr>
+              <a:t>*אני יוכל לצפות בנתוני </a:t>
+            </a:r>
+            <a:r>
+              <a:rPr lang="he-IL" dirty="0" err="1">
+                <a:solidFill>
+                  <a:schemeClr val="accent2"/>
+                </a:solidFill>
+              </a:rPr>
+              <a:t>רייטיג</a:t>
+            </a:r>
+            <a:r>
+              <a:rPr lang="he-IL" dirty="0">
+                <a:solidFill>
+                  <a:schemeClr val="accent2"/>
+                </a:solidFill>
+              </a:rPr>
+              <a:t> </a:t>
+            </a:r>
+          </a:p>
+          <a:p>
+            <a:r>
+              <a:rPr lang="he-IL" dirty="0">
+                <a:solidFill>
+                  <a:schemeClr val="accent2"/>
+                </a:solidFill>
+              </a:rPr>
+              <a:t>כשאלחץ באפשרות זו המערכת תשלח לשרת את אובייקט המשתמש שלי, ותפעיל את פונקציית </a:t>
+            </a:r>
+            <a:r>
+              <a:rPr lang="he-IL" dirty="0" err="1">
+                <a:solidFill>
+                  <a:schemeClr val="accent2"/>
+                </a:solidFill>
+              </a:rPr>
+              <a:t>שיקלולי</a:t>
+            </a:r>
+            <a:r>
+              <a:rPr lang="he-IL" dirty="0">
+                <a:solidFill>
+                  <a:schemeClr val="accent2"/>
+                </a:solidFill>
+              </a:rPr>
+              <a:t> </a:t>
+            </a:r>
+            <a:r>
+              <a:rPr lang="he-IL" dirty="0" err="1">
+                <a:solidFill>
+                  <a:schemeClr val="accent2"/>
+                </a:solidFill>
+              </a:rPr>
+              <a:t>הריטיג</a:t>
             </a:r>
             <a:endParaRPr lang="he-IL" dirty="0">
               <a:solidFill>
@@ -3525,138 +3882,12 @@
               </a:solidFill>
             </a:endParaRPr>
           </a:p>
-          <a:p>
-            <a:endParaRPr lang="he-IL" dirty="0">
-              <a:solidFill>
-                <a:schemeClr val="accent2"/>
-              </a:solidFill>
-            </a:endParaRPr>
-          </a:p>
-          <a:p>
-            <a:endParaRPr lang="he-IL" dirty="0">
-              <a:solidFill>
-                <a:schemeClr val="accent2"/>
-              </a:solidFill>
-            </a:endParaRPr>
-          </a:p>
-          <a:p>
-            <a:endParaRPr lang="he-IL" dirty="0">
-              <a:solidFill>
-                <a:schemeClr val="accent2"/>
-              </a:solidFill>
-            </a:endParaRPr>
-          </a:p>
-          <a:p>
-            <a:endParaRPr lang="he-IL" dirty="0">
-              <a:solidFill>
-                <a:schemeClr val="accent2"/>
-              </a:solidFill>
-            </a:endParaRPr>
-          </a:p>
-          <a:p>
-            <a:endParaRPr lang="he-IL" dirty="0">
-              <a:solidFill>
-                <a:schemeClr val="accent2"/>
-              </a:solidFill>
-            </a:endParaRPr>
-          </a:p>
-          <a:p>
-            <a:endParaRPr lang="he-IL" dirty="0">
-              <a:solidFill>
-                <a:schemeClr val="accent2"/>
-              </a:solidFill>
-            </a:endParaRPr>
-          </a:p>
-          <a:p>
-            <a:endParaRPr lang="he-IL" dirty="0">
-              <a:solidFill>
-                <a:schemeClr val="accent2"/>
-              </a:solidFill>
-            </a:endParaRPr>
-          </a:p>
-          <a:p>
-            <a:endParaRPr lang="he-IL" dirty="0">
-              <a:solidFill>
-                <a:schemeClr val="accent2"/>
-              </a:solidFill>
-            </a:endParaRPr>
-          </a:p>
-          <a:p>
-            <a:endParaRPr lang="he-IL" dirty="0">
-              <a:solidFill>
-                <a:schemeClr val="accent2"/>
-              </a:solidFill>
-            </a:endParaRPr>
-          </a:p>
-          <a:p>
-            <a:endParaRPr lang="he-IL" dirty="0">
-              <a:solidFill>
-                <a:schemeClr val="accent2"/>
-              </a:solidFill>
-            </a:endParaRPr>
-          </a:p>
-          <a:p>
-            <a:endParaRPr lang="he-IL" dirty="0">
-              <a:solidFill>
-                <a:schemeClr val="accent2"/>
-              </a:solidFill>
-            </a:endParaRPr>
-          </a:p>
-          <a:p>
-            <a:endParaRPr lang="he-IL" dirty="0">
-              <a:solidFill>
-                <a:schemeClr val="accent2"/>
-              </a:solidFill>
-            </a:endParaRPr>
-          </a:p>
-          <a:p>
-            <a:endParaRPr lang="he-IL" dirty="0">
-              <a:solidFill>
-                <a:schemeClr val="accent2"/>
-              </a:solidFill>
-            </a:endParaRPr>
-          </a:p>
-          <a:p>
-            <a:endParaRPr lang="he-IL" dirty="0">
-              <a:solidFill>
-                <a:schemeClr val="accent2"/>
-              </a:solidFill>
-            </a:endParaRPr>
-          </a:p>
-          <a:p>
-            <a:endParaRPr lang="he-IL" dirty="0">
-              <a:solidFill>
-                <a:schemeClr val="accent2"/>
-              </a:solidFill>
-            </a:endParaRPr>
-          </a:p>
-          <a:p>
-            <a:endParaRPr lang="he-IL" dirty="0">
-              <a:solidFill>
-                <a:schemeClr val="accent2"/>
-              </a:solidFill>
-            </a:endParaRPr>
-          </a:p>
-          <a:p>
-            <a:endParaRPr lang="he-IL" dirty="0">
-              <a:solidFill>
-                <a:schemeClr val="accent2"/>
-              </a:solidFill>
-            </a:endParaRPr>
-          </a:p>
-          <a:p>
-            <a:endParaRPr lang="he-IL" dirty="0">
-              <a:solidFill>
-                <a:schemeClr val="accent2"/>
-              </a:solidFill>
-            </a:endParaRPr>
-          </a:p>
         </p:txBody>
       </p:sp>
     </p:spTree>
     <p:extLst>
       <p:ext uri="{BB962C8B-B14F-4D97-AF65-F5344CB8AC3E}">
-        <p14:creationId xmlns:p14="http://schemas.microsoft.com/office/powerpoint/2010/main" val="4040935919"/>
+        <p14:creationId xmlns:p14="http://schemas.microsoft.com/office/powerpoint/2010/main" val="2091642756"/>
       </p:ext>
     </p:extLst>
   </p:cSld>
